--- a/docs/Final/Final.pptx
+++ b/docs/Final/Final.pptx
@@ -4,6 +4,9 @@
   <p:sldMasterIdLst>
     <p:sldMasterId id="2147483699" r:id="rId1"/>
   </p:sldMasterIdLst>
+  <p:notesMasterIdLst>
+    <p:notesMasterId r:id="rId26"/>
+  </p:notesMasterIdLst>
   <p:sldIdLst>
     <p:sldId id="256" r:id="rId2"/>
     <p:sldId id="257" r:id="rId3"/>
@@ -2859,6 +2862,440 @@
 </dgm:styleDef>
 </file>
 
+<file path=ppt/notesMasters/notesMaster1.xml><?xml version="1.0" encoding="utf-8"?>
+<p:notesMaster xmlns:a="http://schemas.openxmlformats.org/drawingml/2006/main" xmlns:r="http://schemas.openxmlformats.org/officeDocument/2006/relationships" xmlns:p="http://schemas.openxmlformats.org/presentationml/2006/main">
+  <p:cSld>
+    <p:bg>
+      <p:bgRef idx="1001">
+        <a:schemeClr val="bg1"/>
+      </p:bgRef>
+    </p:bg>
+    <p:spTree>
+      <p:nvGrpSpPr>
+        <p:cNvPr id="1" name=""/>
+        <p:cNvGrpSpPr/>
+        <p:nvPr/>
+      </p:nvGrpSpPr>
+      <p:grpSpPr>
+        <a:xfrm>
+          <a:off x="0" y="0"/>
+          <a:ext cx="0" cy="0"/>
+          <a:chOff x="0" y="0"/>
+          <a:chExt cx="0" cy="0"/>
+        </a:xfrm>
+      </p:grpSpPr>
+      <p:sp>
+        <p:nvSpPr>
+          <p:cNvPr id="2" name="Header Placeholder 1"/>
+          <p:cNvSpPr>
+            <a:spLocks noGrp="1"/>
+          </p:cNvSpPr>
+          <p:nvPr>
+            <p:ph type="hdr" sz="quarter"/>
+          </p:nvPr>
+        </p:nvSpPr>
+        <p:spPr>
+          <a:xfrm>
+            <a:off x="0" y="0"/>
+            <a:ext cx="2971800" cy="458788"/>
+          </a:xfrm>
+          <a:prstGeom prst="rect">
+            <a:avLst/>
+          </a:prstGeom>
+        </p:spPr>
+        <p:txBody>
+          <a:bodyPr vert="horz" lIns="91440" tIns="45720" rIns="91440" bIns="45720" rtlCol="0"/>
+          <a:lstStyle>
+            <a:lvl1pPr algn="l">
+              <a:defRPr sz="1200"/>
+            </a:lvl1pPr>
+          </a:lstStyle>
+          <a:p>
+            <a:endParaRPr lang="en-US"/>
+          </a:p>
+        </p:txBody>
+      </p:sp>
+      <p:sp>
+        <p:nvSpPr>
+          <p:cNvPr id="3" name="Date Placeholder 2"/>
+          <p:cNvSpPr>
+            <a:spLocks noGrp="1"/>
+          </p:cNvSpPr>
+          <p:nvPr>
+            <p:ph type="dt" idx="1"/>
+          </p:nvPr>
+        </p:nvSpPr>
+        <p:spPr>
+          <a:xfrm>
+            <a:off x="3884613" y="0"/>
+            <a:ext cx="2971800" cy="458788"/>
+          </a:xfrm>
+          <a:prstGeom prst="rect">
+            <a:avLst/>
+          </a:prstGeom>
+        </p:spPr>
+        <p:txBody>
+          <a:bodyPr vert="horz" lIns="91440" tIns="45720" rIns="91440" bIns="45720" rtlCol="0"/>
+          <a:lstStyle>
+            <a:lvl1pPr algn="r">
+              <a:defRPr sz="1200"/>
+            </a:lvl1pPr>
+          </a:lstStyle>
+          <a:p>
+            <a:fld id="{8517C30A-D4C0-464A-9F09-9851CA008E2B}" type="datetimeFigureOut">
+              <a:rPr lang="en-US" smtClean="0"/>
+              <a:t>5/26/16</a:t>
+            </a:fld>
+            <a:endParaRPr lang="en-US"/>
+          </a:p>
+        </p:txBody>
+      </p:sp>
+      <p:sp>
+        <p:nvSpPr>
+          <p:cNvPr id="4" name="Slide Image Placeholder 3"/>
+          <p:cNvSpPr>
+            <a:spLocks noGrp="1" noRot="1" noChangeAspect="1"/>
+          </p:cNvSpPr>
+          <p:nvPr>
+            <p:ph type="sldImg" idx="2"/>
+          </p:nvPr>
+        </p:nvSpPr>
+        <p:spPr>
+          <a:xfrm>
+            <a:off x="685800" y="1143000"/>
+            <a:ext cx="5486400" cy="3086100"/>
+          </a:xfrm>
+          <a:prstGeom prst="rect">
+            <a:avLst/>
+          </a:prstGeom>
+          <a:noFill/>
+          <a:ln w="12700">
+            <a:solidFill>
+              <a:prstClr val="black"/>
+            </a:solidFill>
+          </a:ln>
+        </p:spPr>
+        <p:txBody>
+          <a:bodyPr vert="horz" lIns="91440" tIns="45720" rIns="91440" bIns="45720" rtlCol="0" anchor="ctr"/>
+          <a:lstStyle/>
+          <a:p>
+            <a:endParaRPr lang="en-US"/>
+          </a:p>
+        </p:txBody>
+      </p:sp>
+      <p:sp>
+        <p:nvSpPr>
+          <p:cNvPr id="5" name="Notes Placeholder 4"/>
+          <p:cNvSpPr>
+            <a:spLocks noGrp="1"/>
+          </p:cNvSpPr>
+          <p:nvPr>
+            <p:ph type="body" sz="quarter" idx="3"/>
+          </p:nvPr>
+        </p:nvSpPr>
+        <p:spPr>
+          <a:xfrm>
+            <a:off x="685800" y="4400550"/>
+            <a:ext cx="5486400" cy="3600450"/>
+          </a:xfrm>
+          <a:prstGeom prst="rect">
+            <a:avLst/>
+          </a:prstGeom>
+        </p:spPr>
+        <p:txBody>
+          <a:bodyPr vert="horz" lIns="91440" tIns="45720" rIns="91440" bIns="45720" rtlCol="0"/>
+          <a:lstStyle/>
+          <a:p>
+            <a:pPr lvl="0"/>
+            <a:r>
+              <a:rPr lang="en-US" smtClean="0"/>
+              <a:t>Click to edit Master text styles</a:t>
+            </a:r>
+          </a:p>
+          <a:p>
+            <a:pPr lvl="1"/>
+            <a:r>
+              <a:rPr lang="en-US" smtClean="0"/>
+              <a:t>Second level</a:t>
+            </a:r>
+          </a:p>
+          <a:p>
+            <a:pPr lvl="2"/>
+            <a:r>
+              <a:rPr lang="en-US" smtClean="0"/>
+              <a:t>Third level</a:t>
+            </a:r>
+          </a:p>
+          <a:p>
+            <a:pPr lvl="3"/>
+            <a:r>
+              <a:rPr lang="en-US" smtClean="0"/>
+              <a:t>Fourth level</a:t>
+            </a:r>
+          </a:p>
+          <a:p>
+            <a:pPr lvl="4"/>
+            <a:r>
+              <a:rPr lang="en-US" smtClean="0"/>
+              <a:t>Fifth level</a:t>
+            </a:r>
+            <a:endParaRPr lang="en-US"/>
+          </a:p>
+        </p:txBody>
+      </p:sp>
+      <p:sp>
+        <p:nvSpPr>
+          <p:cNvPr id="6" name="Footer Placeholder 5"/>
+          <p:cNvSpPr>
+            <a:spLocks noGrp="1"/>
+          </p:cNvSpPr>
+          <p:nvPr>
+            <p:ph type="ftr" sz="quarter" idx="4"/>
+          </p:nvPr>
+        </p:nvSpPr>
+        <p:spPr>
+          <a:xfrm>
+            <a:off x="0" y="8685213"/>
+            <a:ext cx="2971800" cy="458787"/>
+          </a:xfrm>
+          <a:prstGeom prst="rect">
+            <a:avLst/>
+          </a:prstGeom>
+        </p:spPr>
+        <p:txBody>
+          <a:bodyPr vert="horz" lIns="91440" tIns="45720" rIns="91440" bIns="45720" rtlCol="0" anchor="b"/>
+          <a:lstStyle>
+            <a:lvl1pPr algn="l">
+              <a:defRPr sz="1200"/>
+            </a:lvl1pPr>
+          </a:lstStyle>
+          <a:p>
+            <a:endParaRPr lang="en-US"/>
+          </a:p>
+        </p:txBody>
+      </p:sp>
+      <p:sp>
+        <p:nvSpPr>
+          <p:cNvPr id="7" name="Slide Number Placeholder 6"/>
+          <p:cNvSpPr>
+            <a:spLocks noGrp="1"/>
+          </p:cNvSpPr>
+          <p:nvPr>
+            <p:ph type="sldNum" sz="quarter" idx="5"/>
+          </p:nvPr>
+        </p:nvSpPr>
+        <p:spPr>
+          <a:xfrm>
+            <a:off x="3884613" y="8685213"/>
+            <a:ext cx="2971800" cy="458787"/>
+          </a:xfrm>
+          <a:prstGeom prst="rect">
+            <a:avLst/>
+          </a:prstGeom>
+        </p:spPr>
+        <p:txBody>
+          <a:bodyPr vert="horz" lIns="91440" tIns="45720" rIns="91440" bIns="45720" rtlCol="0" anchor="b"/>
+          <a:lstStyle>
+            <a:lvl1pPr algn="r">
+              <a:defRPr sz="1200"/>
+            </a:lvl1pPr>
+          </a:lstStyle>
+          <a:p>
+            <a:fld id="{89112936-87B4-9345-95C4-C3D57A23609B}" type="slidenum">
+              <a:rPr lang="en-US" smtClean="0"/>
+              <a:t>‹#›</a:t>
+            </a:fld>
+            <a:endParaRPr lang="en-US"/>
+          </a:p>
+        </p:txBody>
+      </p:sp>
+    </p:spTree>
+    <p:extLst>
+      <p:ext uri="{BB962C8B-B14F-4D97-AF65-F5344CB8AC3E}">
+        <p14:creationId xmlns:p14="http://schemas.microsoft.com/office/powerpoint/2010/main" val="2038664370"/>
+      </p:ext>
+    </p:extLst>
+  </p:cSld>
+  <p:clrMap bg1="lt1" tx1="dk1" bg2="lt2" tx2="dk2" accent1="accent1" accent2="accent2" accent3="accent3" accent4="accent4" accent5="accent5" accent6="accent6" hlink="hlink" folHlink="folHlink"/>
+  <p:notesStyle>
+    <a:lvl1pPr marL="0" algn="l" defTabSz="914400" rtl="0" eaLnBrk="1" latinLnBrk="0" hangingPunct="1">
+      <a:defRPr sz="1200" kern="1200">
+        <a:solidFill>
+          <a:schemeClr val="tx1"/>
+        </a:solidFill>
+        <a:latin typeface="+mn-lt"/>
+        <a:ea typeface="+mn-ea"/>
+        <a:cs typeface="+mn-cs"/>
+      </a:defRPr>
+    </a:lvl1pPr>
+    <a:lvl2pPr marL="457200" algn="l" defTabSz="914400" rtl="0" eaLnBrk="1" latinLnBrk="0" hangingPunct="1">
+      <a:defRPr sz="1200" kern="1200">
+        <a:solidFill>
+          <a:schemeClr val="tx1"/>
+        </a:solidFill>
+        <a:latin typeface="+mn-lt"/>
+        <a:ea typeface="+mn-ea"/>
+        <a:cs typeface="+mn-cs"/>
+      </a:defRPr>
+    </a:lvl2pPr>
+    <a:lvl3pPr marL="914400" algn="l" defTabSz="914400" rtl="0" eaLnBrk="1" latinLnBrk="0" hangingPunct="1">
+      <a:defRPr sz="1200" kern="1200">
+        <a:solidFill>
+          <a:schemeClr val="tx1"/>
+        </a:solidFill>
+        <a:latin typeface="+mn-lt"/>
+        <a:ea typeface="+mn-ea"/>
+        <a:cs typeface="+mn-cs"/>
+      </a:defRPr>
+    </a:lvl3pPr>
+    <a:lvl4pPr marL="1371600" algn="l" defTabSz="914400" rtl="0" eaLnBrk="1" latinLnBrk="0" hangingPunct="1">
+      <a:defRPr sz="1200" kern="1200">
+        <a:solidFill>
+          <a:schemeClr val="tx1"/>
+        </a:solidFill>
+        <a:latin typeface="+mn-lt"/>
+        <a:ea typeface="+mn-ea"/>
+        <a:cs typeface="+mn-cs"/>
+      </a:defRPr>
+    </a:lvl4pPr>
+    <a:lvl5pPr marL="1828800" algn="l" defTabSz="914400" rtl="0" eaLnBrk="1" latinLnBrk="0" hangingPunct="1">
+      <a:defRPr sz="1200" kern="1200">
+        <a:solidFill>
+          <a:schemeClr val="tx1"/>
+        </a:solidFill>
+        <a:latin typeface="+mn-lt"/>
+        <a:ea typeface="+mn-ea"/>
+        <a:cs typeface="+mn-cs"/>
+      </a:defRPr>
+    </a:lvl5pPr>
+    <a:lvl6pPr marL="2286000" algn="l" defTabSz="914400" rtl="0" eaLnBrk="1" latinLnBrk="0" hangingPunct="1">
+      <a:defRPr sz="1200" kern="1200">
+        <a:solidFill>
+          <a:schemeClr val="tx1"/>
+        </a:solidFill>
+        <a:latin typeface="+mn-lt"/>
+        <a:ea typeface="+mn-ea"/>
+        <a:cs typeface="+mn-cs"/>
+      </a:defRPr>
+    </a:lvl6pPr>
+    <a:lvl7pPr marL="2743200" algn="l" defTabSz="914400" rtl="0" eaLnBrk="1" latinLnBrk="0" hangingPunct="1">
+      <a:defRPr sz="1200" kern="1200">
+        <a:solidFill>
+          <a:schemeClr val="tx1"/>
+        </a:solidFill>
+        <a:latin typeface="+mn-lt"/>
+        <a:ea typeface="+mn-ea"/>
+        <a:cs typeface="+mn-cs"/>
+      </a:defRPr>
+    </a:lvl7pPr>
+    <a:lvl8pPr marL="3200400" algn="l" defTabSz="914400" rtl="0" eaLnBrk="1" latinLnBrk="0" hangingPunct="1">
+      <a:defRPr sz="1200" kern="1200">
+        <a:solidFill>
+          <a:schemeClr val="tx1"/>
+        </a:solidFill>
+        <a:latin typeface="+mn-lt"/>
+        <a:ea typeface="+mn-ea"/>
+        <a:cs typeface="+mn-cs"/>
+      </a:defRPr>
+    </a:lvl8pPr>
+    <a:lvl9pPr marL="3657600" algn="l" defTabSz="914400" rtl="0" eaLnBrk="1" latinLnBrk="0" hangingPunct="1">
+      <a:defRPr sz="1200" kern="1200">
+        <a:solidFill>
+          <a:schemeClr val="tx1"/>
+        </a:solidFill>
+        <a:latin typeface="+mn-lt"/>
+        <a:ea typeface="+mn-ea"/>
+        <a:cs typeface="+mn-cs"/>
+      </a:defRPr>
+    </a:lvl9pPr>
+  </p:notesStyle>
+</p:notesMaster>
+</file>
+
+<file path=ppt/notesSlides/notesSlide1.xml><?xml version="1.0" encoding="utf-8"?>
+<p:notes xmlns:a="http://schemas.openxmlformats.org/drawingml/2006/main" xmlns:r="http://schemas.openxmlformats.org/officeDocument/2006/relationships" xmlns:p="http://schemas.openxmlformats.org/presentationml/2006/main">
+  <p:cSld>
+    <p:spTree>
+      <p:nvGrpSpPr>
+        <p:cNvPr id="1" name=""/>
+        <p:cNvGrpSpPr/>
+        <p:nvPr/>
+      </p:nvGrpSpPr>
+      <p:grpSpPr>
+        <a:xfrm>
+          <a:off x="0" y="0"/>
+          <a:ext cx="0" cy="0"/>
+          <a:chOff x="0" y="0"/>
+          <a:chExt cx="0" cy="0"/>
+        </a:xfrm>
+      </p:grpSpPr>
+      <p:sp>
+        <p:nvSpPr>
+          <p:cNvPr id="2" name="Slide Image Placeholder 1"/>
+          <p:cNvSpPr>
+            <a:spLocks noGrp="1" noRot="1" noChangeAspect="1"/>
+          </p:cNvSpPr>
+          <p:nvPr>
+            <p:ph type="sldImg"/>
+          </p:nvPr>
+        </p:nvSpPr>
+        <p:spPr/>
+      </p:sp>
+      <p:sp>
+        <p:nvSpPr>
+          <p:cNvPr id="3" name="Notes Placeholder 2"/>
+          <p:cNvSpPr>
+            <a:spLocks noGrp="1"/>
+          </p:cNvSpPr>
+          <p:nvPr>
+            <p:ph type="body" idx="1"/>
+          </p:nvPr>
+        </p:nvSpPr>
+        <p:spPr/>
+        <p:txBody>
+          <a:bodyPr/>
+          <a:lstStyle/>
+          <a:p>
+            <a:endParaRPr lang="en-US" dirty="0"/>
+          </a:p>
+        </p:txBody>
+      </p:sp>
+      <p:sp>
+        <p:nvSpPr>
+          <p:cNvPr id="4" name="Slide Number Placeholder 3"/>
+          <p:cNvSpPr>
+            <a:spLocks noGrp="1"/>
+          </p:cNvSpPr>
+          <p:nvPr>
+            <p:ph type="sldNum" sz="quarter" idx="10"/>
+          </p:nvPr>
+        </p:nvSpPr>
+        <p:spPr/>
+        <p:txBody>
+          <a:bodyPr/>
+          <a:lstStyle/>
+          <a:p>
+            <a:fld id="{89112936-87B4-9345-95C4-C3D57A23609B}" type="slidenum">
+              <a:rPr lang="en-US" smtClean="0"/>
+              <a:t>1</a:t>
+            </a:fld>
+            <a:endParaRPr lang="en-US"/>
+          </a:p>
+        </p:txBody>
+      </p:sp>
+    </p:spTree>
+    <p:extLst>
+      <p:ext uri="{BB962C8B-B14F-4D97-AF65-F5344CB8AC3E}">
+        <p14:creationId xmlns:p14="http://schemas.microsoft.com/office/powerpoint/2010/main" val="1129566413"/>
+      </p:ext>
+    </p:extLst>
+  </p:cSld>
+  <p:clrMapOvr>
+    <a:masterClrMapping/>
+  </p:clrMapOvr>
+</p:notes>
+</file>
+
 <file path=ppt/slideLayouts/slideLayout1.xml><?xml version="1.0" encoding="utf-8"?>
 <p:sldLayout xmlns:a="http://schemas.openxmlformats.org/drawingml/2006/main" xmlns:r="http://schemas.openxmlformats.org/officeDocument/2006/relationships" xmlns:p="http://schemas.openxmlformats.org/presentationml/2006/main" showMasterSp="0" type="title" preserve="1">
   <p:cSld name="Title Slide">
@@ -6629,7 +7066,7 @@
         </p:nvSpPr>
         <p:spPr>
           <a:xfrm>
-            <a:off x="986286" y="808327"/>
+            <a:off x="2313853" y="995896"/>
             <a:ext cx="7197726" cy="2421464"/>
           </a:xfrm>
         </p:spPr>
@@ -6680,11 +7117,7 @@
             </a:r>
             <a:r>
               <a:rPr lang="en-US" sz="7200" b="1" u="sng" dirty="0" smtClean="0"/>
-              <a:t> Prof</a:t>
-            </a:r>
-            <a:r>
-              <a:rPr lang="en-US" sz="7200" b="1" u="sng" dirty="0" smtClean="0"/>
-              <a:t>. </a:t>
+              <a:t> Prof. </a:t>
             </a:r>
             <a:r>
               <a:rPr lang="en-US" sz="7200" b="1" u="sng" dirty="0" err="1" smtClean="0"/>
@@ -6714,19 +7147,11 @@
             </a:r>
             <a:r>
               <a:rPr lang="en-US" sz="7200" b="1" dirty="0" smtClean="0"/>
-              <a:t> </a:t>
-            </a:r>
-            <a:r>
-              <a:rPr lang="en-US" sz="7200" b="1" dirty="0" smtClean="0"/>
-              <a:t>Gupta          </a:t>
+              <a:t> Gupta          </a:t>
             </a:r>
             <a:r>
               <a:rPr lang="en-US" sz="7200" i="1" dirty="0" smtClean="0"/>
-              <a:t>(</a:t>
-            </a:r>
-            <a:r>
-              <a:rPr lang="en-US" sz="7200" i="1" dirty="0" smtClean="0"/>
-              <a:t>216/Co/12)</a:t>
+              <a:t>(216/Co/12)</a:t>
             </a:r>
           </a:p>
           <a:p>
@@ -6736,19 +7161,11 @@
             </a:r>
             <a:r>
               <a:rPr lang="en-US" sz="7200" b="1" dirty="0" smtClean="0"/>
-              <a:t> Singh </a:t>
-            </a:r>
-            <a:r>
-              <a:rPr lang="en-US" sz="7200" b="1" dirty="0" smtClean="0"/>
-              <a:t>    </a:t>
+              <a:t> Singh     </a:t>
             </a:r>
             <a:r>
               <a:rPr lang="en-US" sz="7200" i="1" dirty="0" smtClean="0"/>
-              <a:t>(</a:t>
-            </a:r>
-            <a:r>
-              <a:rPr lang="en-US" sz="7200" i="1" dirty="0" smtClean="0"/>
-              <a:t>254/CO/12)</a:t>
+              <a:t>(254/CO/12)</a:t>
             </a:r>
           </a:p>
           <a:p>
@@ -6758,19 +7175,11 @@
             </a:r>
             <a:r>
               <a:rPr lang="en-US" sz="7200" b="1" dirty="0" smtClean="0"/>
-              <a:t> Singh </a:t>
-            </a:r>
-            <a:r>
-              <a:rPr lang="en-US" sz="7200" b="1" dirty="0" smtClean="0"/>
-              <a:t>              </a:t>
+              <a:t> Singh               </a:t>
             </a:r>
             <a:r>
               <a:rPr lang="en-US" sz="7200" i="1" dirty="0" smtClean="0"/>
-              <a:t>(</a:t>
-            </a:r>
-            <a:r>
-              <a:rPr lang="en-US" sz="7200" i="1" dirty="0" smtClean="0"/>
-              <a:t>262/CO/12)</a:t>
+              <a:t>(262/CO/12)</a:t>
             </a:r>
             <a:endParaRPr lang="en-US" sz="7200" i="1" dirty="0"/>
           </a:p>
@@ -7195,10 +7604,10 @@
           <a:lstStyle/>
           <a:p>
             <a:r>
-              <a:rPr lang="en-US" b="1" dirty="0" smtClean="0"/>
+              <a:rPr lang="en-US" dirty="0" smtClean="0"/>
               <a:t>Architecture</a:t>
             </a:r>
-            <a:endParaRPr lang="en-US" b="1" dirty="0"/>
+            <a:endParaRPr lang="en-US" dirty="0"/>
           </a:p>
         </p:txBody>
       </p:sp>
@@ -7214,7 +7623,7 @@
         </p:nvSpPr>
         <p:spPr>
           <a:xfrm>
-            <a:off x="685800" y="1661431"/>
+            <a:off x="1247587" y="1383946"/>
             <a:ext cx="10131425" cy="751445"/>
           </a:xfrm>
         </p:spPr>
@@ -7323,9 +7732,520 @@
           </a:p>
         </p:txBody>
       </p:sp>
+      <p:sp>
+        <p:nvSpPr>
+          <p:cNvPr id="15" name="Up-Down Arrow 14"/>
+          <p:cNvSpPr/>
+          <p:nvPr/>
+        </p:nvSpPr>
+        <p:spPr>
+          <a:xfrm>
+            <a:off x="6147046" y="3290840"/>
+            <a:ext cx="332509" cy="852431"/>
+          </a:xfrm>
+          <a:prstGeom prst="upDownArrow">
+            <a:avLst/>
+          </a:prstGeom>
+        </p:spPr>
+        <p:style>
+          <a:lnRef idx="2">
+            <a:schemeClr val="accent1">
+              <a:shade val="50000"/>
+            </a:schemeClr>
+          </a:lnRef>
+          <a:fillRef idx="1">
+            <a:schemeClr val="accent1"/>
+          </a:fillRef>
+          <a:effectRef idx="0">
+            <a:schemeClr val="accent1"/>
+          </a:effectRef>
+          <a:fontRef idx="minor">
+            <a:schemeClr val="lt1"/>
+          </a:fontRef>
+        </p:style>
+        <p:txBody>
+          <a:bodyPr rtlCol="0" anchor="ctr"/>
+          <a:lstStyle/>
+          <a:p>
+            <a:pPr algn="ctr"/>
+            <a:endParaRPr lang="en-US"/>
+          </a:p>
+        </p:txBody>
+      </p:sp>
+      <p:sp>
+        <p:nvSpPr>
+          <p:cNvPr id="19" name="Up-Down Arrow 18"/>
+          <p:cNvSpPr/>
+          <p:nvPr/>
+        </p:nvSpPr>
+        <p:spPr>
+          <a:xfrm>
+            <a:off x="7338951" y="3274333"/>
+            <a:ext cx="332509" cy="1565017"/>
+          </a:xfrm>
+          <a:prstGeom prst="upDownArrow">
+            <a:avLst/>
+          </a:prstGeom>
+        </p:spPr>
+        <p:style>
+          <a:lnRef idx="2">
+            <a:schemeClr val="accent1">
+              <a:shade val="50000"/>
+            </a:schemeClr>
+          </a:lnRef>
+          <a:fillRef idx="1">
+            <a:schemeClr val="accent1"/>
+          </a:fillRef>
+          <a:effectRef idx="0">
+            <a:schemeClr val="accent1"/>
+          </a:effectRef>
+          <a:fontRef idx="minor">
+            <a:schemeClr val="lt1"/>
+          </a:fontRef>
+        </p:style>
+        <p:txBody>
+          <a:bodyPr rtlCol="0" anchor="ctr"/>
+          <a:lstStyle/>
+          <a:p>
+            <a:pPr algn="ctr"/>
+            <a:endParaRPr lang="en-US"/>
+          </a:p>
+        </p:txBody>
+      </p:sp>
+      <p:sp>
+        <p:nvSpPr>
+          <p:cNvPr id="17" name="Left-Right Arrow 16"/>
+          <p:cNvSpPr/>
+          <p:nvPr/>
+        </p:nvSpPr>
+        <p:spPr>
+          <a:xfrm>
+            <a:off x="7671460" y="2448197"/>
+            <a:ext cx="2636322" cy="354606"/>
+          </a:xfrm>
+          <a:prstGeom prst="leftRightArrow">
+            <a:avLst/>
+          </a:prstGeom>
+        </p:spPr>
+        <p:style>
+          <a:lnRef idx="2">
+            <a:schemeClr val="accent1">
+              <a:shade val="50000"/>
+            </a:schemeClr>
+          </a:lnRef>
+          <a:fillRef idx="1">
+            <a:schemeClr val="accent1"/>
+          </a:fillRef>
+          <a:effectRef idx="0">
+            <a:schemeClr val="accent1"/>
+          </a:effectRef>
+          <a:fontRef idx="minor">
+            <a:schemeClr val="lt1"/>
+          </a:fontRef>
+        </p:style>
+        <p:txBody>
+          <a:bodyPr rtlCol="0" anchor="ctr"/>
+          <a:lstStyle/>
+          <a:p>
+            <a:pPr algn="ctr"/>
+            <a:endParaRPr lang="en-US"/>
+          </a:p>
+        </p:txBody>
+      </p:sp>
+      <p:sp>
+        <p:nvSpPr>
+          <p:cNvPr id="20" name="TextBox 19"/>
+          <p:cNvSpPr txBox="1"/>
+          <p:nvPr/>
+        </p:nvSpPr>
+        <p:spPr>
+          <a:xfrm>
+            <a:off x="7567523" y="1819730"/>
+            <a:ext cx="2547877" cy="646331"/>
+          </a:xfrm>
+          <a:prstGeom prst="rect">
+            <a:avLst/>
+          </a:prstGeom>
+          <a:noFill/>
+        </p:spPr>
+        <p:txBody>
+          <a:bodyPr wrap="none" rtlCol="0">
+            <a:spAutoFit/>
+          </a:bodyPr>
+          <a:lstStyle/>
+          <a:p>
+            <a:pPr algn="ctr"/>
+            <a:r>
+              <a:rPr lang="en-US" dirty="0" smtClean="0"/>
+              <a:t>DB Communication Layer</a:t>
+            </a:r>
+            <a:br>
+              <a:rPr lang="en-US" dirty="0" smtClean="0"/>
+            </a:br>
+            <a:r>
+              <a:rPr lang="en-US" dirty="0" smtClean="0"/>
+              <a:t>E.g. ORMs</a:t>
+            </a:r>
+            <a:endParaRPr lang="en-US" dirty="0"/>
+          </a:p>
+        </p:txBody>
+      </p:sp>
+      <p:sp>
+        <p:nvSpPr>
+          <p:cNvPr id="21" name="Action Button: Document 20">
+            <a:hlinkClick r:id="" action="ppaction://noaction" highlightClick="1"/>
+          </p:cNvPr>
+          <p:cNvSpPr/>
+          <p:nvPr/>
+        </p:nvSpPr>
+        <p:spPr>
+          <a:xfrm>
+            <a:off x="10394561" y="5153893"/>
+            <a:ext cx="1284721" cy="1092530"/>
+          </a:xfrm>
+          <a:prstGeom prst="actionButtonDocument">
+            <a:avLst/>
+          </a:prstGeom>
+        </p:spPr>
+        <p:style>
+          <a:lnRef idx="2">
+            <a:schemeClr val="accent1">
+              <a:shade val="50000"/>
+            </a:schemeClr>
+          </a:lnRef>
+          <a:fillRef idx="1">
+            <a:schemeClr val="accent1"/>
+          </a:fillRef>
+          <a:effectRef idx="0">
+            <a:schemeClr val="accent1"/>
+          </a:effectRef>
+          <a:fontRef idx="minor">
+            <a:schemeClr val="lt1"/>
+          </a:fontRef>
+        </p:style>
+        <p:txBody>
+          <a:bodyPr rtlCol="0" anchor="ctr"/>
+          <a:lstStyle/>
+          <a:p>
+            <a:pPr algn="ctr"/>
+            <a:r>
+              <a:rPr lang="en-US" dirty="0" smtClean="0"/>
+              <a:t>Application</a:t>
+            </a:r>
+            <a:br>
+              <a:rPr lang="en-US" dirty="0" smtClean="0"/>
+            </a:br>
+            <a:r>
+              <a:rPr lang="en-US" dirty="0" smtClean="0"/>
+              <a:t>Binary</a:t>
+            </a:r>
+            <a:endParaRPr lang="en-US" dirty="0"/>
+          </a:p>
+        </p:txBody>
+      </p:sp>
+      <p:sp>
+        <p:nvSpPr>
+          <p:cNvPr id="25" name="Action Button: Document 24">
+            <a:hlinkClick r:id="" action="ppaction://noaction" highlightClick="1"/>
+          </p:cNvPr>
+          <p:cNvSpPr/>
+          <p:nvPr/>
+        </p:nvSpPr>
+        <p:spPr>
+          <a:xfrm>
+            <a:off x="3132146" y="2084156"/>
+            <a:ext cx="1446628" cy="1086608"/>
+          </a:xfrm>
+          <a:prstGeom prst="actionButtonDocument">
+            <a:avLst/>
+          </a:prstGeom>
+        </p:spPr>
+        <p:style>
+          <a:lnRef idx="2">
+            <a:schemeClr val="accent1">
+              <a:shade val="50000"/>
+            </a:schemeClr>
+          </a:lnRef>
+          <a:fillRef idx="1">
+            <a:schemeClr val="accent1"/>
+          </a:fillRef>
+          <a:effectRef idx="0">
+            <a:schemeClr val="accent1"/>
+          </a:effectRef>
+          <a:fontRef idx="minor">
+            <a:schemeClr val="lt1"/>
+          </a:fontRef>
+        </p:style>
+        <p:txBody>
+          <a:bodyPr rtlCol="0" anchor="ctr"/>
+          <a:lstStyle/>
+          <a:p>
+            <a:pPr algn="ctr"/>
+            <a:r>
+              <a:rPr lang="en-US" sz="1600" dirty="0" smtClean="0"/>
+              <a:t>Website</a:t>
+            </a:r>
+            <a:br>
+              <a:rPr lang="en-US" sz="1600" dirty="0" smtClean="0"/>
+            </a:br>
+            <a:r>
+              <a:rPr lang="en-US" sz="1600" dirty="0" smtClean="0"/>
+              <a:t>Assets</a:t>
+            </a:r>
+            <a:br>
+              <a:rPr lang="en-US" sz="1600" dirty="0" smtClean="0"/>
+            </a:br>
+            <a:r>
+              <a:rPr lang="en-US" sz="1600" dirty="0" smtClean="0"/>
+              <a:t>(HTML/JS/CSS)</a:t>
+            </a:r>
+            <a:endParaRPr lang="en-US" sz="1600" dirty="0"/>
+          </a:p>
+        </p:txBody>
+      </p:sp>
+      <p:sp>
+        <p:nvSpPr>
+          <p:cNvPr id="26" name="TextBox 25"/>
+          <p:cNvSpPr txBox="1"/>
+          <p:nvPr/>
+        </p:nvSpPr>
+        <p:spPr>
+          <a:xfrm>
+            <a:off x="6409886" y="3609704"/>
+            <a:ext cx="998735" cy="369332"/>
+          </a:xfrm>
+          <a:prstGeom prst="rect">
+            <a:avLst/>
+          </a:prstGeom>
+          <a:noFill/>
+        </p:spPr>
+        <p:txBody>
+          <a:bodyPr wrap="none" rtlCol="0">
+            <a:spAutoFit/>
+          </a:bodyPr>
+          <a:lstStyle/>
+          <a:p>
+            <a:r>
+              <a:rPr lang="en-US" dirty="0" smtClean="0"/>
+              <a:t>REST API</a:t>
+            </a:r>
+            <a:endParaRPr lang="en-US" dirty="0"/>
+          </a:p>
+        </p:txBody>
+      </p:sp>
+      <p:sp>
+        <p:nvSpPr>
+          <p:cNvPr id="23" name="Curved Right Arrow 22"/>
+          <p:cNvSpPr/>
+          <p:nvPr/>
+        </p:nvSpPr>
+        <p:spPr>
+          <a:xfrm>
+            <a:off x="1776087" y="2802803"/>
+            <a:ext cx="1331486" cy="3120863"/>
+          </a:xfrm>
+          <a:prstGeom prst="curvedRightArrow">
+            <a:avLst>
+              <a:gd name="adj1" fmla="val 14662"/>
+              <a:gd name="adj2" fmla="val 64529"/>
+              <a:gd name="adj3" fmla="val 25848"/>
+            </a:avLst>
+          </a:prstGeom>
+        </p:spPr>
+        <p:style>
+          <a:lnRef idx="2">
+            <a:schemeClr val="accent1">
+              <a:shade val="50000"/>
+            </a:schemeClr>
+          </a:lnRef>
+          <a:fillRef idx="1">
+            <a:schemeClr val="accent1"/>
+          </a:fillRef>
+          <a:effectRef idx="0">
+            <a:schemeClr val="accent1"/>
+          </a:effectRef>
+          <a:fontRef idx="minor">
+            <a:schemeClr val="lt1"/>
+          </a:fontRef>
+        </p:style>
+        <p:txBody>
+          <a:bodyPr rtlCol="0" anchor="ctr"/>
+          <a:lstStyle/>
+          <a:p>
+            <a:pPr algn="ctr"/>
+            <a:endParaRPr lang="en-US">
+              <a:solidFill>
+                <a:schemeClr val="tx1"/>
+              </a:solidFill>
+            </a:endParaRPr>
+          </a:p>
+        </p:txBody>
+      </p:sp>
+      <p:sp>
+        <p:nvSpPr>
+          <p:cNvPr id="24" name="Rectangle 23"/>
+          <p:cNvSpPr/>
+          <p:nvPr/>
+        </p:nvSpPr>
+        <p:spPr>
+          <a:xfrm>
+            <a:off x="6147046" y="2084156"/>
+            <a:ext cx="1437635" cy="1086607"/>
+          </a:xfrm>
+          <a:prstGeom prst="rect">
+            <a:avLst/>
+          </a:prstGeom>
+        </p:spPr>
+        <p:style>
+          <a:lnRef idx="2">
+            <a:schemeClr val="accent1">
+              <a:shade val="50000"/>
+            </a:schemeClr>
+          </a:lnRef>
+          <a:fillRef idx="1">
+            <a:schemeClr val="accent1"/>
+          </a:fillRef>
+          <a:effectRef idx="0">
+            <a:schemeClr val="accent1"/>
+          </a:effectRef>
+          <a:fontRef idx="minor">
+            <a:schemeClr val="lt1"/>
+          </a:fontRef>
+        </p:style>
+        <p:txBody>
+          <a:bodyPr rtlCol="0" anchor="ctr"/>
+          <a:lstStyle/>
+          <a:p>
+            <a:pPr algn="ctr"/>
+            <a:r>
+              <a:rPr lang="en-US" dirty="0" smtClean="0"/>
+              <a:t>APIs</a:t>
+            </a:r>
+            <a:endParaRPr lang="en-US" dirty="0"/>
+          </a:p>
+        </p:txBody>
+      </p:sp>
+      <p:sp>
+        <p:nvSpPr>
+          <p:cNvPr id="28" name="TextBox 27"/>
+          <p:cNvSpPr txBox="1"/>
+          <p:nvPr/>
+        </p:nvSpPr>
+        <p:spPr>
+          <a:xfrm>
+            <a:off x="1872344" y="3979036"/>
+            <a:ext cx="674993" cy="369332"/>
+          </a:xfrm>
+          <a:prstGeom prst="rect">
+            <a:avLst/>
+          </a:prstGeom>
+          <a:noFill/>
+        </p:spPr>
+        <p:txBody>
+          <a:bodyPr wrap="none" rtlCol="0">
+            <a:spAutoFit/>
+          </a:bodyPr>
+          <a:lstStyle/>
+          <a:p>
+            <a:r>
+              <a:rPr lang="en-US" smtClean="0"/>
+              <a:t>HTTP</a:t>
+            </a:r>
+            <a:endParaRPr lang="en-US"/>
+          </a:p>
+        </p:txBody>
+      </p:sp>
+      <p:sp>
+        <p:nvSpPr>
+          <p:cNvPr id="29" name="Left Arrow 28"/>
+          <p:cNvSpPr/>
+          <p:nvPr/>
+        </p:nvSpPr>
+        <p:spPr>
+          <a:xfrm>
+            <a:off x="8024981" y="5335629"/>
+            <a:ext cx="2282801" cy="729057"/>
+          </a:xfrm>
+          <a:prstGeom prst="leftArrow">
+            <a:avLst/>
+          </a:prstGeom>
+        </p:spPr>
+        <p:style>
+          <a:lnRef idx="2">
+            <a:schemeClr val="accent1">
+              <a:shade val="50000"/>
+            </a:schemeClr>
+          </a:lnRef>
+          <a:fillRef idx="1">
+            <a:schemeClr val="accent1"/>
+          </a:fillRef>
+          <a:effectRef idx="0">
+            <a:schemeClr val="accent1"/>
+          </a:effectRef>
+          <a:fontRef idx="minor">
+            <a:schemeClr val="lt1"/>
+          </a:fontRef>
+        </p:style>
+        <p:txBody>
+          <a:bodyPr rtlCol="0" anchor="ctr"/>
+          <a:lstStyle/>
+          <a:p>
+            <a:pPr algn="ctr"/>
+            <a:r>
+              <a:rPr lang="en-US" dirty="0" smtClean="0"/>
+              <a:t>APP STORE</a:t>
+            </a:r>
+            <a:endParaRPr lang="en-US" dirty="0"/>
+          </a:p>
+        </p:txBody>
+      </p:sp>
+      <p:sp>
+        <p:nvSpPr>
+          <p:cNvPr id="18" name="Rectangle 17"/>
+          <p:cNvSpPr/>
+          <p:nvPr/>
+        </p:nvSpPr>
+        <p:spPr>
+          <a:xfrm>
+            <a:off x="7222742" y="2079122"/>
+            <a:ext cx="361940" cy="1086607"/>
+          </a:xfrm>
+          <a:prstGeom prst="rect">
+            <a:avLst/>
+          </a:prstGeom>
+        </p:spPr>
+        <p:style>
+          <a:lnRef idx="2">
+            <a:schemeClr val="accent1">
+              <a:shade val="50000"/>
+            </a:schemeClr>
+          </a:lnRef>
+          <a:fillRef idx="1">
+            <a:schemeClr val="accent1"/>
+          </a:fillRef>
+          <a:effectRef idx="0">
+            <a:schemeClr val="accent1"/>
+          </a:effectRef>
+          <a:fontRef idx="minor">
+            <a:schemeClr val="lt1"/>
+          </a:fontRef>
+        </p:style>
+        <p:txBody>
+          <a:bodyPr rtlCol="0" anchor="ctr"/>
+          <a:lstStyle/>
+          <a:p>
+            <a:pPr algn="ctr"/>
+            <a:r>
+              <a:rPr lang="en-US" smtClean="0"/>
+              <a:t>ORM</a:t>
+            </a:r>
+            <a:endParaRPr lang="en-US" dirty="0"/>
+          </a:p>
+        </p:txBody>
+      </p:sp>
       <p:pic>
         <p:nvPicPr>
-          <p:cNvPr id="7172" name="Picture 4" descr="se links below to save image."/>
+          <p:cNvPr id="22" name="Picture 4" descr="se links below to save image."/>
           <p:cNvPicPr>
             <a:picLocks noChangeAspect="1" noChangeArrowheads="1"/>
           </p:cNvPicPr>
@@ -7364,517 +8284,6 @@
           </a:extLst>
         </p:spPr>
       </p:pic>
-      <p:sp>
-        <p:nvSpPr>
-          <p:cNvPr id="15" name="Up-Down Arrow 14"/>
-          <p:cNvSpPr/>
-          <p:nvPr/>
-        </p:nvSpPr>
-        <p:spPr>
-          <a:xfrm>
-            <a:off x="6147046" y="3290840"/>
-            <a:ext cx="332509" cy="852431"/>
-          </a:xfrm>
-          <a:prstGeom prst="upDownArrow">
-            <a:avLst/>
-          </a:prstGeom>
-        </p:spPr>
-        <p:style>
-          <a:lnRef idx="2">
-            <a:schemeClr val="accent1">
-              <a:shade val="50000"/>
-            </a:schemeClr>
-          </a:lnRef>
-          <a:fillRef idx="1">
-            <a:schemeClr val="accent1"/>
-          </a:fillRef>
-          <a:effectRef idx="0">
-            <a:schemeClr val="accent1"/>
-          </a:effectRef>
-          <a:fontRef idx="minor">
-            <a:schemeClr val="lt1"/>
-          </a:fontRef>
-        </p:style>
-        <p:txBody>
-          <a:bodyPr rtlCol="0" anchor="ctr"/>
-          <a:lstStyle/>
-          <a:p>
-            <a:pPr algn="ctr"/>
-            <a:endParaRPr lang="en-US"/>
-          </a:p>
-        </p:txBody>
-      </p:sp>
-      <p:sp>
-        <p:nvSpPr>
-          <p:cNvPr id="19" name="Up-Down Arrow 18"/>
-          <p:cNvSpPr/>
-          <p:nvPr/>
-        </p:nvSpPr>
-        <p:spPr>
-          <a:xfrm>
-            <a:off x="7338951" y="3274333"/>
-            <a:ext cx="332509" cy="1565017"/>
-          </a:xfrm>
-          <a:prstGeom prst="upDownArrow">
-            <a:avLst/>
-          </a:prstGeom>
-        </p:spPr>
-        <p:style>
-          <a:lnRef idx="2">
-            <a:schemeClr val="accent1">
-              <a:shade val="50000"/>
-            </a:schemeClr>
-          </a:lnRef>
-          <a:fillRef idx="1">
-            <a:schemeClr val="accent1"/>
-          </a:fillRef>
-          <a:effectRef idx="0">
-            <a:schemeClr val="accent1"/>
-          </a:effectRef>
-          <a:fontRef idx="minor">
-            <a:schemeClr val="lt1"/>
-          </a:fontRef>
-        </p:style>
-        <p:txBody>
-          <a:bodyPr rtlCol="0" anchor="ctr"/>
-          <a:lstStyle/>
-          <a:p>
-            <a:pPr algn="ctr"/>
-            <a:endParaRPr lang="en-US"/>
-          </a:p>
-        </p:txBody>
-      </p:sp>
-      <p:sp>
-        <p:nvSpPr>
-          <p:cNvPr id="17" name="Left-Right Arrow 16"/>
-          <p:cNvSpPr/>
-          <p:nvPr/>
-        </p:nvSpPr>
-        <p:spPr>
-          <a:xfrm>
-            <a:off x="7671460" y="2448197"/>
-            <a:ext cx="2636322" cy="354606"/>
-          </a:xfrm>
-          <a:prstGeom prst="leftRightArrow">
-            <a:avLst/>
-          </a:prstGeom>
-        </p:spPr>
-        <p:style>
-          <a:lnRef idx="2">
-            <a:schemeClr val="accent1">
-              <a:shade val="50000"/>
-            </a:schemeClr>
-          </a:lnRef>
-          <a:fillRef idx="1">
-            <a:schemeClr val="accent1"/>
-          </a:fillRef>
-          <a:effectRef idx="0">
-            <a:schemeClr val="accent1"/>
-          </a:effectRef>
-          <a:fontRef idx="minor">
-            <a:schemeClr val="lt1"/>
-          </a:fontRef>
-        </p:style>
-        <p:txBody>
-          <a:bodyPr rtlCol="0" anchor="ctr"/>
-          <a:lstStyle/>
-          <a:p>
-            <a:pPr algn="ctr"/>
-            <a:endParaRPr lang="en-US"/>
-          </a:p>
-        </p:txBody>
-      </p:sp>
-      <p:sp>
-        <p:nvSpPr>
-          <p:cNvPr id="20" name="TextBox 19"/>
-          <p:cNvSpPr txBox="1"/>
-          <p:nvPr/>
-        </p:nvSpPr>
-        <p:spPr>
-          <a:xfrm>
-            <a:off x="7567523" y="1819730"/>
-            <a:ext cx="2547877" cy="646331"/>
-          </a:xfrm>
-          <a:prstGeom prst="rect">
-            <a:avLst/>
-          </a:prstGeom>
-          <a:noFill/>
-        </p:spPr>
-        <p:txBody>
-          <a:bodyPr wrap="none" rtlCol="0">
-            <a:spAutoFit/>
-          </a:bodyPr>
-          <a:lstStyle/>
-          <a:p>
-            <a:pPr algn="ctr"/>
-            <a:r>
-              <a:rPr lang="en-US" dirty="0" smtClean="0"/>
-              <a:t>DB Communication Layer</a:t>
-            </a:r>
-            <a:br>
-              <a:rPr lang="en-US" dirty="0" smtClean="0"/>
-            </a:br>
-            <a:r>
-              <a:rPr lang="en-US" dirty="0" smtClean="0"/>
-              <a:t>E.g. ORMs</a:t>
-            </a:r>
-            <a:endParaRPr lang="en-US" dirty="0"/>
-          </a:p>
-        </p:txBody>
-      </p:sp>
-      <p:sp>
-        <p:nvSpPr>
-          <p:cNvPr id="21" name="Action Button: Document 20">
-            <a:hlinkClick r:id="" action="ppaction://noaction" highlightClick="1"/>
-          </p:cNvPr>
-          <p:cNvSpPr/>
-          <p:nvPr/>
-        </p:nvSpPr>
-        <p:spPr>
-          <a:xfrm>
-            <a:off x="10394561" y="5153893"/>
-            <a:ext cx="1284721" cy="1092530"/>
-          </a:xfrm>
-          <a:prstGeom prst="actionButtonDocument">
-            <a:avLst/>
-          </a:prstGeom>
-        </p:spPr>
-        <p:style>
-          <a:lnRef idx="2">
-            <a:schemeClr val="accent1">
-              <a:shade val="50000"/>
-            </a:schemeClr>
-          </a:lnRef>
-          <a:fillRef idx="1">
-            <a:schemeClr val="accent1"/>
-          </a:fillRef>
-          <a:effectRef idx="0">
-            <a:schemeClr val="accent1"/>
-          </a:effectRef>
-          <a:fontRef idx="minor">
-            <a:schemeClr val="lt1"/>
-          </a:fontRef>
-        </p:style>
-        <p:txBody>
-          <a:bodyPr rtlCol="0" anchor="ctr"/>
-          <a:lstStyle/>
-          <a:p>
-            <a:pPr algn="ctr"/>
-            <a:r>
-              <a:rPr lang="en-US" dirty="0" smtClean="0"/>
-              <a:t>Application</a:t>
-            </a:r>
-            <a:br>
-              <a:rPr lang="en-US" dirty="0" smtClean="0"/>
-            </a:br>
-            <a:r>
-              <a:rPr lang="en-US" dirty="0" smtClean="0"/>
-              <a:t>Binary</a:t>
-            </a:r>
-            <a:endParaRPr lang="en-US" dirty="0"/>
-          </a:p>
-        </p:txBody>
-      </p:sp>
-      <p:sp>
-        <p:nvSpPr>
-          <p:cNvPr id="25" name="Action Button: Document 24">
-            <a:hlinkClick r:id="" action="ppaction://noaction" highlightClick="1"/>
-          </p:cNvPr>
-          <p:cNvSpPr/>
-          <p:nvPr/>
-        </p:nvSpPr>
-        <p:spPr>
-          <a:xfrm>
-            <a:off x="3132146" y="2084156"/>
-            <a:ext cx="1446628" cy="1086608"/>
-          </a:xfrm>
-          <a:prstGeom prst="actionButtonDocument">
-            <a:avLst/>
-          </a:prstGeom>
-        </p:spPr>
-        <p:style>
-          <a:lnRef idx="2">
-            <a:schemeClr val="accent1">
-              <a:shade val="50000"/>
-            </a:schemeClr>
-          </a:lnRef>
-          <a:fillRef idx="1">
-            <a:schemeClr val="accent1"/>
-          </a:fillRef>
-          <a:effectRef idx="0">
-            <a:schemeClr val="accent1"/>
-          </a:effectRef>
-          <a:fontRef idx="minor">
-            <a:schemeClr val="lt1"/>
-          </a:fontRef>
-        </p:style>
-        <p:txBody>
-          <a:bodyPr rtlCol="0" anchor="ctr"/>
-          <a:lstStyle/>
-          <a:p>
-            <a:pPr algn="ctr"/>
-            <a:r>
-              <a:rPr lang="en-US" sz="1600" dirty="0" smtClean="0"/>
-              <a:t>Website</a:t>
-            </a:r>
-            <a:br>
-              <a:rPr lang="en-US" sz="1600" dirty="0" smtClean="0"/>
-            </a:br>
-            <a:r>
-              <a:rPr lang="en-US" sz="1600" dirty="0" smtClean="0"/>
-              <a:t>Assets</a:t>
-            </a:r>
-            <a:br>
-              <a:rPr lang="en-US" sz="1600" dirty="0" smtClean="0"/>
-            </a:br>
-            <a:r>
-              <a:rPr lang="en-US" sz="1600" dirty="0" smtClean="0"/>
-              <a:t>(HTML/JS/CSS)</a:t>
-            </a:r>
-            <a:endParaRPr lang="en-US" sz="1600" dirty="0"/>
-          </a:p>
-        </p:txBody>
-      </p:sp>
-      <p:sp>
-        <p:nvSpPr>
-          <p:cNvPr id="26" name="TextBox 25"/>
-          <p:cNvSpPr txBox="1"/>
-          <p:nvPr/>
-        </p:nvSpPr>
-        <p:spPr>
-          <a:xfrm>
-            <a:off x="6409886" y="3609704"/>
-            <a:ext cx="998735" cy="369332"/>
-          </a:xfrm>
-          <a:prstGeom prst="rect">
-            <a:avLst/>
-          </a:prstGeom>
-          <a:noFill/>
-        </p:spPr>
-        <p:txBody>
-          <a:bodyPr wrap="none" rtlCol="0">
-            <a:spAutoFit/>
-          </a:bodyPr>
-          <a:lstStyle/>
-          <a:p>
-            <a:r>
-              <a:rPr lang="en-US" dirty="0" smtClean="0"/>
-              <a:t>REST API</a:t>
-            </a:r>
-            <a:endParaRPr lang="en-US" dirty="0"/>
-          </a:p>
-        </p:txBody>
-      </p:sp>
-      <p:sp>
-        <p:nvSpPr>
-          <p:cNvPr id="23" name="Curved Right Arrow 22"/>
-          <p:cNvSpPr/>
-          <p:nvPr/>
-        </p:nvSpPr>
-        <p:spPr>
-          <a:xfrm>
-            <a:off x="1776087" y="2802803"/>
-            <a:ext cx="1331486" cy="3120863"/>
-          </a:xfrm>
-          <a:prstGeom prst="curvedRightArrow">
-            <a:avLst>
-              <a:gd name="adj1" fmla="val 14662"/>
-              <a:gd name="adj2" fmla="val 64529"/>
-              <a:gd name="adj3" fmla="val 25848"/>
-            </a:avLst>
-          </a:prstGeom>
-        </p:spPr>
-        <p:style>
-          <a:lnRef idx="2">
-            <a:schemeClr val="accent1">
-              <a:shade val="50000"/>
-            </a:schemeClr>
-          </a:lnRef>
-          <a:fillRef idx="1">
-            <a:schemeClr val="accent1"/>
-          </a:fillRef>
-          <a:effectRef idx="0">
-            <a:schemeClr val="accent1"/>
-          </a:effectRef>
-          <a:fontRef idx="minor">
-            <a:schemeClr val="lt1"/>
-          </a:fontRef>
-        </p:style>
-        <p:txBody>
-          <a:bodyPr rtlCol="0" anchor="ctr"/>
-          <a:lstStyle/>
-          <a:p>
-            <a:pPr algn="ctr"/>
-            <a:endParaRPr lang="en-US">
-              <a:solidFill>
-                <a:schemeClr val="tx1"/>
-              </a:solidFill>
-            </a:endParaRPr>
-          </a:p>
-        </p:txBody>
-      </p:sp>
-      <p:sp>
-        <p:nvSpPr>
-          <p:cNvPr id="24" name="Rectangle 23"/>
-          <p:cNvSpPr/>
-          <p:nvPr/>
-        </p:nvSpPr>
-        <p:spPr>
-          <a:xfrm>
-            <a:off x="6147046" y="2084156"/>
-            <a:ext cx="1437635" cy="1086607"/>
-          </a:xfrm>
-          <a:prstGeom prst="rect">
-            <a:avLst/>
-          </a:prstGeom>
-        </p:spPr>
-        <p:style>
-          <a:lnRef idx="2">
-            <a:schemeClr val="accent1">
-              <a:shade val="50000"/>
-            </a:schemeClr>
-          </a:lnRef>
-          <a:fillRef idx="1">
-            <a:schemeClr val="accent1"/>
-          </a:fillRef>
-          <a:effectRef idx="0">
-            <a:schemeClr val="accent1"/>
-          </a:effectRef>
-          <a:fontRef idx="minor">
-            <a:schemeClr val="lt1"/>
-          </a:fontRef>
-        </p:style>
-        <p:txBody>
-          <a:bodyPr rtlCol="0" anchor="ctr"/>
-          <a:lstStyle/>
-          <a:p>
-            <a:pPr algn="ctr"/>
-            <a:r>
-              <a:rPr lang="en-US" dirty="0" smtClean="0"/>
-              <a:t>APIs</a:t>
-            </a:r>
-            <a:endParaRPr lang="en-US" dirty="0"/>
-          </a:p>
-        </p:txBody>
-      </p:sp>
-      <p:sp>
-        <p:nvSpPr>
-          <p:cNvPr id="28" name="TextBox 27"/>
-          <p:cNvSpPr txBox="1"/>
-          <p:nvPr/>
-        </p:nvSpPr>
-        <p:spPr>
-          <a:xfrm>
-            <a:off x="1872344" y="3979036"/>
-            <a:ext cx="674993" cy="369332"/>
-          </a:xfrm>
-          <a:prstGeom prst="rect">
-            <a:avLst/>
-          </a:prstGeom>
-          <a:noFill/>
-        </p:spPr>
-        <p:txBody>
-          <a:bodyPr wrap="none" rtlCol="0">
-            <a:spAutoFit/>
-          </a:bodyPr>
-          <a:lstStyle/>
-          <a:p>
-            <a:r>
-              <a:rPr lang="en-US" smtClean="0"/>
-              <a:t>HTTP</a:t>
-            </a:r>
-            <a:endParaRPr lang="en-US"/>
-          </a:p>
-        </p:txBody>
-      </p:sp>
-      <p:sp>
-        <p:nvSpPr>
-          <p:cNvPr id="29" name="Left Arrow 28"/>
-          <p:cNvSpPr/>
-          <p:nvPr/>
-        </p:nvSpPr>
-        <p:spPr>
-          <a:xfrm>
-            <a:off x="8024981" y="5335629"/>
-            <a:ext cx="2282801" cy="729057"/>
-          </a:xfrm>
-          <a:prstGeom prst="leftArrow">
-            <a:avLst/>
-          </a:prstGeom>
-        </p:spPr>
-        <p:style>
-          <a:lnRef idx="2">
-            <a:schemeClr val="accent1">
-              <a:shade val="50000"/>
-            </a:schemeClr>
-          </a:lnRef>
-          <a:fillRef idx="1">
-            <a:schemeClr val="accent1"/>
-          </a:fillRef>
-          <a:effectRef idx="0">
-            <a:schemeClr val="accent1"/>
-          </a:effectRef>
-          <a:fontRef idx="minor">
-            <a:schemeClr val="lt1"/>
-          </a:fontRef>
-        </p:style>
-        <p:txBody>
-          <a:bodyPr rtlCol="0" anchor="ctr"/>
-          <a:lstStyle/>
-          <a:p>
-            <a:pPr algn="ctr"/>
-            <a:r>
-              <a:rPr lang="en-US" dirty="0" smtClean="0"/>
-              <a:t>APP STORE</a:t>
-            </a:r>
-            <a:endParaRPr lang="en-US" dirty="0"/>
-          </a:p>
-        </p:txBody>
-      </p:sp>
-      <p:sp>
-        <p:nvSpPr>
-          <p:cNvPr id="18" name="Rectangle 17"/>
-          <p:cNvSpPr/>
-          <p:nvPr/>
-        </p:nvSpPr>
-        <p:spPr>
-          <a:xfrm>
-            <a:off x="7222742" y="2079122"/>
-            <a:ext cx="361940" cy="1086607"/>
-          </a:xfrm>
-          <a:prstGeom prst="rect">
-            <a:avLst/>
-          </a:prstGeom>
-        </p:spPr>
-        <p:style>
-          <a:lnRef idx="2">
-            <a:schemeClr val="accent1">
-              <a:shade val="50000"/>
-            </a:schemeClr>
-          </a:lnRef>
-          <a:fillRef idx="1">
-            <a:schemeClr val="accent1"/>
-          </a:fillRef>
-          <a:effectRef idx="0">
-            <a:schemeClr val="accent1"/>
-          </a:effectRef>
-          <a:fontRef idx="minor">
-            <a:schemeClr val="lt1"/>
-          </a:fontRef>
-        </p:style>
-        <p:txBody>
-          <a:bodyPr rtlCol="0" anchor="ctr"/>
-          <a:lstStyle/>
-          <a:p>
-            <a:pPr algn="ctr"/>
-            <a:r>
-              <a:rPr lang="en-US" smtClean="0"/>
-              <a:t>ORM</a:t>
-            </a:r>
-            <a:endParaRPr lang="en-US" dirty="0"/>
-          </a:p>
-        </p:txBody>
-      </p:sp>
     </p:spTree>
     <p:extLst>
       <p:ext uri="{BB962C8B-B14F-4D97-AF65-F5344CB8AC3E}">
@@ -7933,10 +8342,10 @@
           <a:lstStyle/>
           <a:p>
             <a:r>
-              <a:rPr lang="en-US" b="1" dirty="0" smtClean="0"/>
+              <a:rPr lang="en-US" dirty="0" smtClean="0"/>
               <a:t>Architecture: Database ERM</a:t>
             </a:r>
-            <a:endParaRPr lang="en-US" b="1" dirty="0"/>
+            <a:endParaRPr lang="en-US" dirty="0"/>
           </a:p>
         </p:txBody>
       </p:sp>
@@ -9872,10 +10281,10 @@
           <a:lstStyle/>
           <a:p>
             <a:r>
-              <a:rPr lang="en-US" b="1" dirty="0" smtClean="0"/>
+              <a:rPr lang="en-US" dirty="0" smtClean="0"/>
               <a:t>Architecture: API</a:t>
             </a:r>
-            <a:endParaRPr lang="en-US" b="1" dirty="0"/>
+            <a:endParaRPr lang="en-US" dirty="0"/>
           </a:p>
         </p:txBody>
       </p:sp>
@@ -9891,7 +10300,7 @@
         </p:nvSpPr>
         <p:spPr>
           <a:xfrm>
-            <a:off x="685800" y="2830998"/>
+            <a:off x="1371600" y="2171700"/>
             <a:ext cx="10131425" cy="3649133"/>
           </a:xfrm>
         </p:spPr>
@@ -9977,13 +10386,6 @@
               <a:rPr lang="en-US" sz="1600" b="1" dirty="0" err="1" smtClean="0"/>
               <a:t>userID</a:t>
             </a:r>
-            <a:endParaRPr lang="en-US" sz="1600" b="1" dirty="0" smtClean="0"/>
-          </a:p>
-          <a:p>
-            <a:pPr marL="342900" indent="-342900">
-              <a:buFont typeface="+mj-lt"/>
-              <a:buAutoNum type="arabicPeriod"/>
-            </a:pPr>
             <a:endParaRPr lang="en-US" sz="1600" dirty="0" smtClean="0"/>
           </a:p>
           <a:p>
@@ -10115,14 +10517,14 @@
           <a:lstStyle/>
           <a:p>
             <a:r>
-              <a:rPr lang="en-US" b="1" dirty="0" smtClean="0"/>
+              <a:rPr lang="en-US" dirty="0" smtClean="0"/>
               <a:t>Architecture: API (continued</a:t>
             </a:r>
             <a:r>
-              <a:rPr lang="is-IS" b="1" dirty="0" smtClean="0"/>
+              <a:rPr lang="is-IS" dirty="0" smtClean="0"/>
               <a:t>…)</a:t>
             </a:r>
-            <a:endParaRPr lang="en-US" b="1" dirty="0"/>
+            <a:endParaRPr lang="en-US" dirty="0"/>
           </a:p>
         </p:txBody>
       </p:sp>
@@ -10138,8 +10540,8 @@
         </p:nvSpPr>
         <p:spPr>
           <a:xfrm>
-            <a:off x="685800" y="2830998"/>
-            <a:ext cx="10131425" cy="3649133"/>
+            <a:off x="1371600" y="1747216"/>
+            <a:ext cx="9529088" cy="3649133"/>
           </a:xfrm>
         </p:spPr>
         <p:txBody>
@@ -10281,13 +10683,13 @@
           <p:nvPr>
             <p:extLst>
               <p:ext uri="{D42A27DB-BD31-4B8C-83A1-F6EECF244321}">
-                <p14:modId xmlns:p14="http://schemas.microsoft.com/office/powerpoint/2010/main" val="978220440"/>
+                <p14:modId xmlns:p14="http://schemas.microsoft.com/office/powerpoint/2010/main" val="1875335928"/>
               </p:ext>
             </p:extLst>
           </p:nvPr>
         </p:nvGraphicFramePr>
         <p:xfrm>
-          <a:off x="2873828" y="2906604"/>
+          <a:off x="2873828" y="2556980"/>
           <a:ext cx="5922297" cy="1330359"/>
         </p:xfrm>
         <a:graphic>
@@ -10304,7 +10706,7 @@
         </p:nvSpPr>
         <p:spPr>
           <a:xfrm>
-            <a:off x="2873828" y="3977518"/>
+            <a:off x="2873828" y="3601002"/>
             <a:ext cx="2906712" cy="216505"/>
           </a:xfrm>
           <a:prstGeom prst="rect">
@@ -10333,10 +10735,10 @@
           <a:p>
             <a:pPr algn="ctr"/>
             <a:r>
-              <a:rPr lang="en-US" smtClean="0"/>
+              <a:rPr lang="en-US" dirty="0" smtClean="0"/>
               <a:t>Server</a:t>
             </a:r>
-            <a:endParaRPr lang="en-US"/>
+            <a:endParaRPr lang="en-US" dirty="0"/>
           </a:p>
         </p:txBody>
       </p:sp>
@@ -10348,7 +10750,7 @@
         </p:nvSpPr>
         <p:spPr>
           <a:xfrm>
-            <a:off x="5834976" y="3977517"/>
+            <a:off x="5834976" y="3601001"/>
             <a:ext cx="2906712" cy="216505"/>
           </a:xfrm>
           <a:prstGeom prst="rect">
@@ -10959,7 +11361,6 @@
               <a:rPr lang="en-US" sz="2800" dirty="0" smtClean="0"/>
               <a:t>They seem to be search entities of an entity that is discussed &amp; reviewed by users of the application.</a:t>
             </a:r>
-            <a:endParaRPr lang="en-US" sz="2800" dirty="0" smtClean="0"/>
           </a:p>
           <a:p>
             <a:pPr algn="ctr"/>
@@ -11607,8 +12008,8 @@
         </p:nvSpPr>
         <p:spPr>
           <a:xfrm>
-            <a:off x="685800" y="2547181"/>
-            <a:ext cx="10131425" cy="3649133"/>
+            <a:off x="1371600" y="2547181"/>
+            <a:ext cx="9445625" cy="3649133"/>
           </a:xfrm>
         </p:spPr>
         <p:txBody>
@@ -11712,7 +12113,7 @@
       </p:sp>
       <p:pic>
         <p:nvPicPr>
-          <p:cNvPr id="5" name="Picture 4"/>
+          <p:cNvPr id="6" name="Picture 5"/>
           <p:cNvPicPr>
             <a:picLocks noChangeAspect="1"/>
           </p:cNvPicPr>
@@ -11726,8 +12127,8 @@
         </p:blipFill>
         <p:spPr>
           <a:xfrm>
-            <a:off x="3293078" y="3973160"/>
-            <a:ext cx="4253616" cy="1574971"/>
+            <a:off x="3679250" y="4746889"/>
+            <a:ext cx="3914546" cy="1449425"/>
           </a:xfrm>
           <a:prstGeom prst="rect">
             <a:avLst/>
@@ -11806,8 +12207,8 @@
         </p:nvSpPr>
         <p:spPr>
           <a:xfrm>
-            <a:off x="685800" y="2547181"/>
-            <a:ext cx="10131425" cy="3649133"/>
+            <a:off x="1371600" y="2547181"/>
+            <a:ext cx="9445625" cy="3649133"/>
           </a:xfrm>
         </p:spPr>
         <p:txBody>
@@ -12092,9 +12493,19 @@
             <a:pPr marL="0" indent="0" algn="ctr">
               <a:buNone/>
             </a:pPr>
+            <a:endParaRPr lang="en-IN" sz="8000" smtClean="0"/>
+          </a:p>
+          <a:p>
+            <a:pPr marL="0" indent="0" algn="ctr">
+              <a:buNone/>
+            </a:pPr>
+            <a:r>
+              <a:rPr lang="en-IN" sz="8000" smtClean="0"/>
+              <a:t>Thank </a:t>
+            </a:r>
             <a:r>
               <a:rPr lang="en-IN" sz="8000" dirty="0" smtClean="0"/>
-              <a:t>Thank You</a:t>
+              <a:t>You</a:t>
             </a:r>
             <a:endParaRPr lang="en-IN" sz="8000" dirty="0"/>
           </a:p>
@@ -12162,11 +12573,7 @@
             </a:br>
             <a:r>
               <a:rPr lang="en-US" dirty="0" smtClean="0"/>
-              <a:t>(Restaurant </a:t>
-            </a:r>
-            <a:r>
-              <a:rPr lang="en-US" dirty="0" smtClean="0"/>
-              <a:t>finder)</a:t>
+              <a:t>(Restaurant finder)</a:t>
             </a:r>
             <a:endParaRPr lang="en-US" dirty="0"/>
           </a:p>
@@ -12193,7 +12600,7 @@
       </p:sp>
       <p:pic>
         <p:nvPicPr>
-          <p:cNvPr id="9" name="Picture 8"/>
+          <p:cNvPr id="7" name="Picture 6"/>
           <p:cNvPicPr>
             <a:picLocks noChangeAspect="1"/>
           </p:cNvPicPr>
@@ -12213,7 +12620,7 @@
         </p:blipFill>
         <p:spPr>
           <a:xfrm>
-            <a:off x="1706922" y="2286003"/>
+            <a:off x="1697344" y="2286003"/>
             <a:ext cx="2571749" cy="4571998"/>
           </a:xfrm>
           <a:prstGeom prst="rect">
@@ -12223,14 +12630,14 @@
       </p:pic>
       <p:pic>
         <p:nvPicPr>
-          <p:cNvPr id="16" name="Picture 15"/>
+          <p:cNvPr id="8" name="Picture 7"/>
           <p:cNvPicPr>
             <a:picLocks noChangeAspect="1"/>
           </p:cNvPicPr>
           <p:nvPr/>
         </p:nvPicPr>
         <p:blipFill>
-          <a:blip r:embed="rId2">
+          <a:blip r:embed="rId3">
             <a:extLst>
               <a:ext uri="{28A0092B-C50C-407E-A947-70E740481C1C}">
                 <a14:useLocalDpi xmlns:a14="http://schemas.microsoft.com/office/drawing/2010/main" val="0"/>
@@ -12243,7 +12650,7 @@
         </p:blipFill>
         <p:spPr>
           <a:xfrm>
-            <a:off x="4910703" y="2286001"/>
+            <a:off x="4901125" y="2286001"/>
             <a:ext cx="2571750" cy="4571999"/>
           </a:xfrm>
           <a:prstGeom prst="rect">
@@ -12253,14 +12660,14 @@
       </p:pic>
       <p:pic>
         <p:nvPicPr>
-          <p:cNvPr id="17" name="Picture 16"/>
+          <p:cNvPr id="10" name="Picture 9"/>
           <p:cNvPicPr>
             <a:picLocks noChangeAspect="1"/>
           </p:cNvPicPr>
           <p:nvPr/>
         </p:nvPicPr>
         <p:blipFill>
-          <a:blip r:embed="rId2">
+          <a:blip r:embed="rId4">
             <a:extLst>
               <a:ext uri="{28A0092B-C50C-407E-A947-70E740481C1C}">
                 <a14:useLocalDpi xmlns:a14="http://schemas.microsoft.com/office/drawing/2010/main" val="0"/>
@@ -12273,7 +12680,7 @@
         </p:blipFill>
         <p:spPr>
           <a:xfrm>
-            <a:off x="8114485" y="2286002"/>
+            <a:off x="8104907" y="2286002"/>
             <a:ext cx="2571750" cy="4572000"/>
           </a:xfrm>
           <a:prstGeom prst="rect">
@@ -12335,11 +12742,7 @@
           <a:p>
             <a:r>
               <a:rPr lang="en-US" dirty="0" smtClean="0"/>
-              <a:t>Case Study</a:t>
-            </a:r>
-            <a:r>
-              <a:rPr lang="en-US" dirty="0" smtClean="0"/>
-              <a:t>: </a:t>
+              <a:t>Case Study: </a:t>
             </a:r>
             <a:r>
               <a:rPr lang="en-US" dirty="0" err="1" smtClean="0"/>
@@ -12374,7 +12777,7 @@
       </p:sp>
       <p:pic>
         <p:nvPicPr>
-          <p:cNvPr id="2052" name="Picture 4" descr="ttps://lh3.googleusercontent.com/_yrcYr7_0QVvRQIjsOukOxmyXWGv6vi0icAu52rLVsZCu9SAqJiZN2VdH0DR2SUuQg=h900"/>
+          <p:cNvPr id="7" name="Picture 4" descr="ttps://lh3.googleusercontent.com/_yrcYr7_0QVvRQIjsOukOxmyXWGv6vi0icAu52rLVsZCu9SAqJiZN2VdH0DR2SUuQg=h900"/>
           <p:cNvPicPr>
             <a:picLocks noChangeAspect="1" noChangeArrowheads="1"/>
           </p:cNvPicPr>
@@ -12395,8 +12798,8 @@
         </p:blipFill>
         <p:spPr bwMode="auto">
           <a:xfrm>
-            <a:off x="1527971" y="1966586"/>
-            <a:ext cx="2934848" cy="4891414"/>
+            <a:off x="1371600" y="1855093"/>
+            <a:ext cx="3001744" cy="5002907"/>
           </a:xfrm>
           <a:prstGeom prst="rect">
             <a:avLst/>
@@ -12415,14 +12818,14 @@
       </p:pic>
       <p:pic>
         <p:nvPicPr>
-          <p:cNvPr id="2054" name="Picture 6" descr="ttps://lh3.googleusercontent.com/eKq-HDBk_u37cf6sC_UK4tWXBBkf-k-CoaeZcsncI0O7UPXaLWHBezsR3rnheGWEWg=h900"/>
+          <p:cNvPr id="8" name="Picture 6" descr="ttps://lh3.googleusercontent.com/eKq-HDBk_u37cf6sC_UK4tWXBBkf-k-CoaeZcsncI0O7UPXaLWHBezsR3rnheGWEWg=h900"/>
           <p:cNvPicPr>
             <a:picLocks noChangeAspect="1" noChangeArrowheads="1"/>
           </p:cNvPicPr>
           <p:nvPr/>
         </p:nvPicPr>
         <p:blipFill>
-          <a:blip r:embed="rId2">
+          <a:blip r:embed="rId3">
             <a:extLst>
               <a:ext uri="{28A0092B-C50C-407E-A947-70E740481C1C}">
                 <a14:useLocalDpi xmlns:a14="http://schemas.microsoft.com/office/drawing/2010/main" val="0"/>
@@ -12436,8 +12839,8 @@
         </p:blipFill>
         <p:spPr bwMode="auto">
           <a:xfrm>
-            <a:off x="4577619" y="1966586"/>
-            <a:ext cx="2932304" cy="4891414"/>
+            <a:off x="4421248" y="1855093"/>
+            <a:ext cx="2999142" cy="5002907"/>
           </a:xfrm>
           <a:prstGeom prst="rect">
             <a:avLst/>
@@ -12456,14 +12859,14 @@
       </p:pic>
       <p:pic>
         <p:nvPicPr>
-          <p:cNvPr id="2056" name="Picture 8" descr="ttps://lh3.googleusercontent.com/xTUkRzJMemgXYD4TQKtPl1LwbBPUg6TrokUxz1iwoKGY7FNQ_E1tH-JBtt_bqGmMhbI=h90"/>
+          <p:cNvPr id="9" name="Picture 8" descr="ttps://lh3.googleusercontent.com/xTUkRzJMemgXYD4TQKtPl1LwbBPUg6TrokUxz1iwoKGY7FNQ_E1tH-JBtt_bqGmMhbI=h90"/>
           <p:cNvPicPr>
             <a:picLocks noChangeAspect="1" noChangeArrowheads="1"/>
           </p:cNvPicPr>
           <p:nvPr/>
         </p:nvPicPr>
         <p:blipFill>
-          <a:blip r:embed="rId2">
+          <a:blip r:embed="rId4">
             <a:extLst>
               <a:ext uri="{28A0092B-C50C-407E-A947-70E740481C1C}">
                 <a14:useLocalDpi xmlns:a14="http://schemas.microsoft.com/office/drawing/2010/main" val="0"/>
@@ -12477,8 +12880,8 @@
         </p:blipFill>
         <p:spPr bwMode="auto">
           <a:xfrm>
-            <a:off x="7624665" y="1966586"/>
-            <a:ext cx="2934848" cy="4891414"/>
+            <a:off x="7468294" y="1855093"/>
+            <a:ext cx="3001744" cy="5002907"/>
           </a:xfrm>
           <a:prstGeom prst="rect">
             <a:avLst/>
@@ -12558,38 +12961,15 @@
             </a:br>
             <a:r>
               <a:rPr lang="en-US" dirty="0" smtClean="0"/>
-              <a:t>(SERVICE </a:t>
-            </a:r>
-            <a:r>
-              <a:rPr lang="en-US" dirty="0" smtClean="0"/>
-              <a:t>WORKER FINDER)</a:t>
-            </a:r>
-            <a:endParaRPr lang="en-US" dirty="0"/>
-          </a:p>
-        </p:txBody>
-      </p:sp>
-      <p:sp>
-        <p:nvSpPr>
-          <p:cNvPr id="3" name="Content Placeholder 2"/>
-          <p:cNvSpPr>
-            <a:spLocks noGrp="1"/>
-          </p:cNvSpPr>
-          <p:nvPr>
-            <p:ph idx="1"/>
-          </p:nvPr>
-        </p:nvSpPr>
-        <p:spPr/>
-        <p:txBody>
-          <a:bodyPr/>
-          <a:lstStyle/>
-          <a:p>
+              <a:t>(Service Worker Finder)</a:t>
+            </a:r>
             <a:endParaRPr lang="en-US" dirty="0"/>
           </a:p>
         </p:txBody>
       </p:sp>
       <p:pic>
         <p:nvPicPr>
-          <p:cNvPr id="3074" name="Picture 2" descr="ttps://lh3.googleusercontent.com/e3dWtu0haYC5uA0EBVX30NA7d32RwFxbo7M0AukfNFVZHQ36Z9p2YKgGnIE_Yc9Z3Hs-=h9"/>
+          <p:cNvPr id="7" name="Picture 2" descr="ttps://lh3.googleusercontent.com/e3dWtu0haYC5uA0EBVX30NA7d32RwFxbo7M0AukfNFVZHQ36Z9p2YKgGnIE_Yc9Z3Hs-=h9"/>
           <p:cNvPicPr>
             <a:picLocks noChangeAspect="1" noChangeArrowheads="1"/>
           </p:cNvPicPr>
@@ -12610,8 +12990,8 @@
         </p:blipFill>
         <p:spPr bwMode="auto">
           <a:xfrm>
-            <a:off x="1904454" y="2293963"/>
-            <a:ext cx="2570911" cy="4572766"/>
+            <a:off x="1946823" y="2179846"/>
+            <a:ext cx="2630162" cy="4678154"/>
           </a:xfrm>
           <a:prstGeom prst="rect">
             <a:avLst/>
@@ -12630,14 +13010,14 @@
       </p:pic>
       <p:pic>
         <p:nvPicPr>
-          <p:cNvPr id="3076" name="Picture 4" descr="ttps://lh3.googleusercontent.com/pNPXQJqUYNLFdF8_5BDOt70AhbwjHIH0h_VbS5l47330NcmcE5cRgjazi7cPnWZSgFNG=h9"/>
+          <p:cNvPr id="8" name="Picture 4" descr="ttps://lh3.googleusercontent.com/pNPXQJqUYNLFdF8_5BDOt70AhbwjHIH0h_VbS5l47330NcmcE5cRgjazi7cPnWZSgFNG=h9"/>
           <p:cNvPicPr>
             <a:picLocks noChangeAspect="1" noChangeArrowheads="1"/>
           </p:cNvPicPr>
           <p:nvPr/>
         </p:nvPicPr>
         <p:blipFill>
-          <a:blip r:embed="rId2">
+          <a:blip r:embed="rId3">
             <a:extLst>
               <a:ext uri="{28A0092B-C50C-407E-A947-70E740481C1C}">
                 <a14:useLocalDpi xmlns:a14="http://schemas.microsoft.com/office/drawing/2010/main" val="0"/>
@@ -12651,8 +13031,8 @@
         </p:blipFill>
         <p:spPr bwMode="auto">
           <a:xfrm>
-            <a:off x="7932608" y="2286000"/>
-            <a:ext cx="2573309" cy="4580729"/>
+            <a:off x="7974976" y="2171700"/>
+            <a:ext cx="2632615" cy="4686300"/>
           </a:xfrm>
           <a:prstGeom prst="rect">
             <a:avLst/>
@@ -12671,14 +13051,14 @@
       </p:pic>
       <p:pic>
         <p:nvPicPr>
-          <p:cNvPr id="3080" name="Picture 8" descr="ttps://lh3.googleusercontent.com/m49gOHuqLK5GLK_EYlKcQ3pEz75wePHbcPUbYo4ZHmrPWYxd4GweiQKVpEJw12S8Xxg=h90"/>
+          <p:cNvPr id="9" name="Picture 8" descr="ttps://lh3.googleusercontent.com/m49gOHuqLK5GLK_EYlKcQ3pEz75wePHbcPUbYo4ZHmrPWYxd4GweiQKVpEJw12S8Xxg=h90"/>
           <p:cNvPicPr>
             <a:picLocks noChangeAspect="1" noChangeArrowheads="1"/>
           </p:cNvPicPr>
           <p:nvPr/>
         </p:nvPicPr>
         <p:blipFill>
-          <a:blip r:embed="rId2">
+          <a:blip r:embed="rId4">
             <a:extLst>
               <a:ext uri="{28A0092B-C50C-407E-A947-70E740481C1C}">
                 <a14:useLocalDpi xmlns:a14="http://schemas.microsoft.com/office/drawing/2010/main" val="0"/>
@@ -12692,8 +13072,8 @@
         </p:blipFill>
         <p:spPr bwMode="auto">
           <a:xfrm>
-            <a:off x="4917217" y="2286000"/>
-            <a:ext cx="2573310" cy="4580729"/>
+            <a:off x="4959585" y="2171700"/>
+            <a:ext cx="2632616" cy="4686300"/>
           </a:xfrm>
           <a:prstGeom prst="rect">
             <a:avLst/>
@@ -12764,45 +13144,30 @@
           <a:p>
             <a:r>
               <a:rPr lang="en-US" dirty="0" smtClean="0"/>
-              <a:t>Case Study: BOOKMYSHOW</a:t>
+              <a:t>Case Study: </a:t>
+            </a:r>
+            <a:r>
+              <a:rPr lang="en-US" dirty="0" err="1" smtClean="0"/>
+              <a:t>BookMyShow</a:t>
+            </a:r>
+            <a:r>
+              <a:rPr lang="en-US" dirty="0" smtClean="0"/>
+              <a:t/>
             </a:r>
             <a:br>
               <a:rPr lang="en-US" dirty="0" smtClean="0"/>
             </a:br>
             <a:r>
               <a:rPr lang="en-US" dirty="0" smtClean="0"/>
-              <a:t>(MOVIE </a:t>
-            </a:r>
-            <a:r>
-              <a:rPr lang="en-US" dirty="0" smtClean="0"/>
-              <a:t>BOOKING APP)</a:t>
-            </a:r>
-            <a:endParaRPr lang="en-US" dirty="0"/>
-          </a:p>
-        </p:txBody>
-      </p:sp>
-      <p:sp>
-        <p:nvSpPr>
-          <p:cNvPr id="13" name="Content Placeholder 2"/>
-          <p:cNvSpPr>
-            <a:spLocks noGrp="1"/>
-          </p:cNvSpPr>
-          <p:nvPr>
-            <p:ph idx="1"/>
-          </p:nvPr>
-        </p:nvSpPr>
-        <p:spPr/>
-        <p:txBody>
-          <a:bodyPr/>
-          <a:lstStyle/>
-          <a:p>
+              <a:t>(Movie Booking App)</a:t>
+            </a:r>
             <a:endParaRPr lang="en-US" dirty="0"/>
           </a:p>
         </p:txBody>
       </p:sp>
       <p:pic>
         <p:nvPicPr>
-          <p:cNvPr id="6" name="Picture 5"/>
+          <p:cNvPr id="8" name="Picture 7"/>
           <p:cNvPicPr>
             <a:picLocks noChangeAspect="1"/>
           </p:cNvPicPr>
@@ -12822,8 +13187,8 @@
         </p:blipFill>
         <p:spPr>
           <a:xfrm>
-            <a:off x="4773896" y="2286000"/>
-            <a:ext cx="2571750" cy="4572000"/>
+            <a:off x="4887736" y="2171700"/>
+            <a:ext cx="2636043" cy="4686300"/>
           </a:xfrm>
           <a:prstGeom prst="rect">
             <a:avLst/>
@@ -12832,14 +13197,14 @@
       </p:pic>
       <p:pic>
         <p:nvPicPr>
-          <p:cNvPr id="7" name="Picture 6"/>
+          <p:cNvPr id="9" name="Picture 8"/>
           <p:cNvPicPr>
             <a:picLocks noChangeAspect="1"/>
           </p:cNvPicPr>
           <p:nvPr/>
         </p:nvPicPr>
         <p:blipFill>
-          <a:blip r:embed="rId2">
+          <a:blip r:embed="rId3">
             <a:extLst>
               <a:ext uri="{28A0092B-C50C-407E-A947-70E740481C1C}">
                 <a14:useLocalDpi xmlns:a14="http://schemas.microsoft.com/office/drawing/2010/main" val="0"/>
@@ -12852,8 +13217,8 @@
         </p:blipFill>
         <p:spPr>
           <a:xfrm>
-            <a:off x="1641303" y="2286000"/>
-            <a:ext cx="2571750" cy="4572000"/>
+            <a:off x="1755143" y="2171700"/>
+            <a:ext cx="2636043" cy="4686300"/>
           </a:xfrm>
           <a:prstGeom prst="rect">
             <a:avLst/>
@@ -12862,14 +13227,14 @@
       </p:pic>
       <p:pic>
         <p:nvPicPr>
-          <p:cNvPr id="10" name="Picture 9"/>
+          <p:cNvPr id="11" name="Picture 10"/>
           <p:cNvPicPr>
             <a:picLocks noChangeAspect="1"/>
           </p:cNvPicPr>
           <p:nvPr/>
         </p:nvPicPr>
         <p:blipFill>
-          <a:blip r:embed="rId2">
+          <a:blip r:embed="rId4">
             <a:extLst>
               <a:ext uri="{28A0092B-C50C-407E-A947-70E740481C1C}">
                 <a14:useLocalDpi xmlns:a14="http://schemas.microsoft.com/office/drawing/2010/main" val="0"/>
@@ -12882,8 +13247,8 @@
         </p:blipFill>
         <p:spPr>
           <a:xfrm>
-            <a:off x="7906489" y="2286000"/>
-            <a:ext cx="2571750" cy="4572000"/>
+            <a:off x="8020329" y="2171700"/>
+            <a:ext cx="2636043" cy="4686300"/>
           </a:xfrm>
           <a:prstGeom prst="rect">
             <a:avLst/>
@@ -12944,15 +13309,7 @@
           <a:p>
             <a:r>
               <a:rPr lang="en-US" dirty="0" smtClean="0"/>
-              <a:t>Case Study</a:t>
-            </a:r>
-            <a:r>
-              <a:rPr lang="en-US" dirty="0" smtClean="0"/>
-              <a:t>: </a:t>
-            </a:r>
-            <a:r>
-              <a:rPr lang="en-US" dirty="0" smtClean="0"/>
-              <a:t>And lots more </a:t>
+              <a:t>Case Study: And lots more </a:t>
             </a:r>
             <a:r>
               <a:rPr lang="is-IS" dirty="0" smtClean="0"/>
@@ -13024,11 +13381,15 @@
             </a:r>
             <a:r>
               <a:rPr lang="en-US" dirty="0" smtClean="0"/>
-              <a:t>nd counting</a:t>
-            </a:r>
-            <a:r>
-              <a:rPr lang="is-IS" dirty="0" smtClean="0"/>
-              <a:t>…</a:t>
+              <a:t>nd </a:t>
+            </a:r>
+            <a:r>
+              <a:rPr lang="en-US" smtClean="0"/>
+              <a:t>counting </a:t>
+            </a:r>
+            <a:r>
+              <a:rPr lang="is-IS" smtClean="0"/>
+              <a:t>… </a:t>
             </a:r>
             <a:endParaRPr lang="en-US" dirty="0" smtClean="0"/>
           </a:p>
@@ -13091,11 +13452,7 @@
           <a:p>
             <a:r>
               <a:rPr lang="en-US" dirty="0" smtClean="0"/>
-              <a:t>Case Study: </a:t>
-            </a:r>
-            <a:r>
-              <a:rPr lang="en-US" dirty="0" smtClean="0"/>
-              <a:t>Conclusion</a:t>
+              <a:t>Case Study: Conclusion</a:t>
             </a:r>
             <a:endParaRPr lang="en-US" dirty="0"/>
           </a:p>
@@ -13539,4 +13896,265 @@
     </a:ext>
   </a:extLst>
 </a:theme>
+</file>
+
+<file path=ppt/theme/theme2.xml><?xml version="1.0" encoding="utf-8"?>
+<a:theme xmlns:a="http://schemas.openxmlformats.org/drawingml/2006/main" name="Office Theme">
+  <a:themeElements>
+    <a:clrScheme name="Office">
+      <a:dk1>
+        <a:sysClr val="windowText" lastClr="000000"/>
+      </a:dk1>
+      <a:lt1>
+        <a:sysClr val="window" lastClr="FFFFFF"/>
+      </a:lt1>
+      <a:dk2>
+        <a:srgbClr val="44546A"/>
+      </a:dk2>
+      <a:lt2>
+        <a:srgbClr val="E7E6E6"/>
+      </a:lt2>
+      <a:accent1>
+        <a:srgbClr val="5B9BD5"/>
+      </a:accent1>
+      <a:accent2>
+        <a:srgbClr val="ED7D31"/>
+      </a:accent2>
+      <a:accent3>
+        <a:srgbClr val="A5A5A5"/>
+      </a:accent3>
+      <a:accent4>
+        <a:srgbClr val="FFC000"/>
+      </a:accent4>
+      <a:accent5>
+        <a:srgbClr val="4472C4"/>
+      </a:accent5>
+      <a:accent6>
+        <a:srgbClr val="70AD47"/>
+      </a:accent6>
+      <a:hlink>
+        <a:srgbClr val="0563C1"/>
+      </a:hlink>
+      <a:folHlink>
+        <a:srgbClr val="954F72"/>
+      </a:folHlink>
+    </a:clrScheme>
+    <a:fontScheme name="Office">
+      <a:majorFont>
+        <a:latin typeface="Calibri Light" panose="020F0302020204030204"/>
+        <a:ea typeface=""/>
+        <a:cs typeface=""/>
+        <a:font script="Jpan" typeface="ＭＳ Ｐゴシック"/>
+        <a:font script="Hang" typeface="맑은 고딕"/>
+        <a:font script="Hans" typeface="宋体"/>
+        <a:font script="Hant" typeface="新細明體"/>
+        <a:font script="Arab" typeface="Times New Roman"/>
+        <a:font script="Hebr" typeface="Times New Roman"/>
+        <a:font script="Thai" typeface="Angsana New"/>
+        <a:font script="Ethi" typeface="Nyala"/>
+        <a:font script="Beng" typeface="Vrinda"/>
+        <a:font script="Gujr" typeface="Shruti"/>
+        <a:font script="Khmr" typeface="MoolBoran"/>
+        <a:font script="Knda" typeface="Tunga"/>
+        <a:font script="Guru" typeface="Raavi"/>
+        <a:font script="Cans" typeface="Euphemia"/>
+        <a:font script="Cher" typeface="Plantagenet Cherokee"/>
+        <a:font script="Yiii" typeface="Microsoft Yi Baiti"/>
+        <a:font script="Tibt" typeface="Microsoft Himalaya"/>
+        <a:font script="Thaa" typeface="MV Boli"/>
+        <a:font script="Deva" typeface="Mangal"/>
+        <a:font script="Telu" typeface="Gautami"/>
+        <a:font script="Taml" typeface="Latha"/>
+        <a:font script="Syrc" typeface="Estrangelo Edessa"/>
+        <a:font script="Orya" typeface="Kalinga"/>
+        <a:font script="Mlym" typeface="Kartika"/>
+        <a:font script="Laoo" typeface="DokChampa"/>
+        <a:font script="Sinh" typeface="Iskoola Pota"/>
+        <a:font script="Mong" typeface="Mongolian Baiti"/>
+        <a:font script="Viet" typeface="Times New Roman"/>
+        <a:font script="Uigh" typeface="Microsoft Uighur"/>
+        <a:font script="Geor" typeface="Sylfaen"/>
+      </a:majorFont>
+      <a:minorFont>
+        <a:latin typeface="Calibri" panose="020F0502020204030204"/>
+        <a:ea typeface=""/>
+        <a:cs typeface=""/>
+        <a:font script="Jpan" typeface="ＭＳ Ｐゴシック"/>
+        <a:font script="Hang" typeface="맑은 고딕"/>
+        <a:font script="Hans" typeface="宋体"/>
+        <a:font script="Hant" typeface="新細明體"/>
+        <a:font script="Arab" typeface="Arial"/>
+        <a:font script="Hebr" typeface="Arial"/>
+        <a:font script="Thai" typeface="Cordia New"/>
+        <a:font script="Ethi" typeface="Nyala"/>
+        <a:font script="Beng" typeface="Vrinda"/>
+        <a:font script="Gujr" typeface="Shruti"/>
+        <a:font script="Khmr" typeface="DaunPenh"/>
+        <a:font script="Knda" typeface="Tunga"/>
+        <a:font script="Guru" typeface="Raavi"/>
+        <a:font script="Cans" typeface="Euphemia"/>
+        <a:font script="Cher" typeface="Plantagenet Cherokee"/>
+        <a:font script="Yiii" typeface="Microsoft Yi Baiti"/>
+        <a:font script="Tibt" typeface="Microsoft Himalaya"/>
+        <a:font script="Thaa" typeface="MV Boli"/>
+        <a:font script="Deva" typeface="Mangal"/>
+        <a:font script="Telu" typeface="Gautami"/>
+        <a:font script="Taml" typeface="Latha"/>
+        <a:font script="Syrc" typeface="Estrangelo Edessa"/>
+        <a:font script="Orya" typeface="Kalinga"/>
+        <a:font script="Mlym" typeface="Kartika"/>
+        <a:font script="Laoo" typeface="DokChampa"/>
+        <a:font script="Sinh" typeface="Iskoola Pota"/>
+        <a:font script="Mong" typeface="Mongolian Baiti"/>
+        <a:font script="Viet" typeface="Arial"/>
+        <a:font script="Uigh" typeface="Microsoft Uighur"/>
+        <a:font script="Geor" typeface="Sylfaen"/>
+      </a:minorFont>
+    </a:fontScheme>
+    <a:fmtScheme name="Office">
+      <a:fillStyleLst>
+        <a:solidFill>
+          <a:schemeClr val="phClr"/>
+        </a:solidFill>
+        <a:gradFill rotWithShape="1">
+          <a:gsLst>
+            <a:gs pos="0">
+              <a:schemeClr val="phClr">
+                <a:lumMod val="110000"/>
+                <a:satMod val="105000"/>
+                <a:tint val="67000"/>
+              </a:schemeClr>
+            </a:gs>
+            <a:gs pos="50000">
+              <a:schemeClr val="phClr">
+                <a:lumMod val="105000"/>
+                <a:satMod val="103000"/>
+                <a:tint val="73000"/>
+              </a:schemeClr>
+            </a:gs>
+            <a:gs pos="100000">
+              <a:schemeClr val="phClr">
+                <a:lumMod val="105000"/>
+                <a:satMod val="109000"/>
+                <a:tint val="81000"/>
+              </a:schemeClr>
+            </a:gs>
+          </a:gsLst>
+          <a:lin ang="5400000" scaled="0"/>
+        </a:gradFill>
+        <a:gradFill rotWithShape="1">
+          <a:gsLst>
+            <a:gs pos="0">
+              <a:schemeClr val="phClr">
+                <a:satMod val="103000"/>
+                <a:lumMod val="102000"/>
+                <a:tint val="94000"/>
+              </a:schemeClr>
+            </a:gs>
+            <a:gs pos="50000">
+              <a:schemeClr val="phClr">
+                <a:satMod val="110000"/>
+                <a:lumMod val="100000"/>
+                <a:shade val="100000"/>
+              </a:schemeClr>
+            </a:gs>
+            <a:gs pos="100000">
+              <a:schemeClr val="phClr">
+                <a:lumMod val="99000"/>
+                <a:satMod val="120000"/>
+                <a:shade val="78000"/>
+              </a:schemeClr>
+            </a:gs>
+          </a:gsLst>
+          <a:lin ang="5400000" scaled="0"/>
+        </a:gradFill>
+      </a:fillStyleLst>
+      <a:lnStyleLst>
+        <a:ln w="6350" cap="flat" cmpd="sng" algn="ctr">
+          <a:solidFill>
+            <a:schemeClr val="phClr"/>
+          </a:solidFill>
+          <a:prstDash val="solid"/>
+          <a:miter lim="800000"/>
+        </a:ln>
+        <a:ln w="12700" cap="flat" cmpd="sng" algn="ctr">
+          <a:solidFill>
+            <a:schemeClr val="phClr"/>
+          </a:solidFill>
+          <a:prstDash val="solid"/>
+          <a:miter lim="800000"/>
+        </a:ln>
+        <a:ln w="19050" cap="flat" cmpd="sng" algn="ctr">
+          <a:solidFill>
+            <a:schemeClr val="phClr"/>
+          </a:solidFill>
+          <a:prstDash val="solid"/>
+          <a:miter lim="800000"/>
+        </a:ln>
+      </a:lnStyleLst>
+      <a:effectStyleLst>
+        <a:effectStyle>
+          <a:effectLst/>
+        </a:effectStyle>
+        <a:effectStyle>
+          <a:effectLst/>
+        </a:effectStyle>
+        <a:effectStyle>
+          <a:effectLst>
+            <a:outerShdw blurRad="57150" dist="19050" dir="5400000" algn="ctr" rotWithShape="0">
+              <a:srgbClr val="000000">
+                <a:alpha val="63000"/>
+              </a:srgbClr>
+            </a:outerShdw>
+          </a:effectLst>
+        </a:effectStyle>
+      </a:effectStyleLst>
+      <a:bgFillStyleLst>
+        <a:solidFill>
+          <a:schemeClr val="phClr"/>
+        </a:solidFill>
+        <a:solidFill>
+          <a:schemeClr val="phClr">
+            <a:tint val="95000"/>
+            <a:satMod val="170000"/>
+          </a:schemeClr>
+        </a:solidFill>
+        <a:gradFill rotWithShape="1">
+          <a:gsLst>
+            <a:gs pos="0">
+              <a:schemeClr val="phClr">
+                <a:tint val="93000"/>
+                <a:satMod val="150000"/>
+                <a:shade val="98000"/>
+                <a:lumMod val="102000"/>
+              </a:schemeClr>
+            </a:gs>
+            <a:gs pos="50000">
+              <a:schemeClr val="phClr">
+                <a:tint val="98000"/>
+                <a:satMod val="130000"/>
+                <a:shade val="90000"/>
+                <a:lumMod val="103000"/>
+              </a:schemeClr>
+            </a:gs>
+            <a:gs pos="100000">
+              <a:schemeClr val="phClr">
+                <a:shade val="63000"/>
+                <a:satMod val="120000"/>
+              </a:schemeClr>
+            </a:gs>
+          </a:gsLst>
+          <a:lin ang="5400000" scaled="0"/>
+        </a:gradFill>
+      </a:bgFillStyleLst>
+    </a:fmtScheme>
+  </a:themeElements>
+  <a:objectDefaults/>
+  <a:extraClrSchemeLst/>
+  <a:extLst>
+    <a:ext uri="{05A4C25C-085E-4340-85A3-A5531E510DB2}">
+      <thm15:themeFamily xmlns:thm15="http://schemas.microsoft.com/office/thememl/2012/main" name="Office Theme" id="{62F939B6-93AF-4DB8-9C6B-D6C7DFDC589F}" vid="{4A3C46E8-61CC-4603-A589-7422A47A8E4A}"/>
+    </a:ext>
+  </a:extLst>
+</a:theme>
 </file>